--- a/_site/lectures/Lecture08/Lecture08.pptx
+++ b/_site/lectures/Lecture08/Lecture08.pptx
@@ -4921,7 +4921,7 @@
             </a:pPr>
             <a:r>
               <a:rPr/>
-              <a:t>Psychometrics - LIVE!</a:t>
+              <a:t>Lecture08 Psychometrics - LIVE!</a:t>
             </a:r>
           </a:p>
         </p:txBody>
